--- a/teoricas/acite2019-07-estatica_dinamica.pptx
+++ b/teoricas/acite2019-07-estatica_dinamica.pptx
@@ -6518,7 +6518,7 @@
         <p:spPr/>
         <p:txBody>
           <a:bodyPr>
-            <a:normAutofit/>
+            <a:normAutofit lnSpcReduction="10000"/>
           </a:bodyPr>
           <a:lstStyle/>
           <a:p>
@@ -6540,7 +6540,23 @@
             </a:r>
             <a:r>
               <a:rPr lang="en-US" sz="2400" dirty="0"/>
-              <a:t> de fuzzing </a:t>
+              <a:t> de </a:t>
+            </a:r>
+            <a:r>
+              <a:rPr lang="en-US" sz="2400" dirty="0" err="1"/>
+              <a:t>análise</a:t>
+            </a:r>
+            <a:r>
+              <a:rPr lang="en-US" sz="2400" dirty="0"/>
+              <a:t> </a:t>
+            </a:r>
+            <a:r>
+              <a:rPr lang="en-US" sz="2400" dirty="0" err="1"/>
+              <a:t>estática</a:t>
+            </a:r>
+            <a:r>
+              <a:rPr lang="en-US" sz="2400" dirty="0"/>
+              <a:t> </a:t>
             </a:r>
             <a:r>
               <a:rPr lang="en-US" sz="2400" dirty="0" err="1"/>
@@ -16851,8 +16867,20 @@
           <a:lstStyle/>
           <a:p>
             <a:r>
-              <a:rPr lang="en-US" dirty="0" err="1"/>
-              <a:t>Fuzzers</a:t>
+              <a:rPr lang="en-US" dirty="0"/>
+              <a:t>Ferramentas de </a:t>
+            </a:r>
+            <a:r>
+              <a:rPr lang="en-US" dirty="0" err="1"/>
+              <a:t>análise</a:t>
+            </a:r>
+            <a:r>
+              <a:rPr lang="en-US" dirty="0"/>
+              <a:t> </a:t>
+            </a:r>
+            <a:r>
+              <a:rPr lang="en-US" dirty="0" err="1"/>
+              <a:t>estática</a:t>
             </a:r>
             <a:r>
               <a:rPr lang="en-US" dirty="0"/>
@@ -16964,7 +16992,12 @@
             <p:ph sz="quarter" idx="1"/>
           </p:nvPr>
         </p:nvSpPr>
-        <p:spPr/>
+        <p:spPr>
+          <a:xfrm>
+            <a:off x="457200" y="1219200"/>
+            <a:ext cx="8686800" cy="4937760"/>
+          </a:xfrm>
+        </p:spPr>
         <p:txBody>
           <a:bodyPr>
             <a:normAutofit/>
@@ -17126,14 +17159,6 @@
             </a:r>
             <a:r>
               <a:rPr lang="en-US" dirty="0"/>
-              <a:t> de </a:t>
-            </a:r>
-            <a:r>
-              <a:rPr lang="en-US" dirty="0" err="1"/>
-              <a:t>fuzzers</a:t>
-            </a:r>
-            <a:r>
-              <a:rPr lang="en-US" dirty="0"/>
               <a:t>: RATS, </a:t>
             </a:r>
             <a:r>
@@ -17173,19 +17198,19 @@
             </a:r>
             <a:r>
               <a:rPr lang="en-US" dirty="0"/>
-              <a:t> de um </a:t>
-            </a:r>
-            <a:r>
-              <a:rPr lang="en-US" dirty="0" err="1"/>
-              <a:t>fuzzer</a:t>
-            </a:r>
-            <a:r>
-              <a:rPr lang="en-US" dirty="0"/>
-              <a:t> </a:t>
-            </a:r>
-            <a:r>
-              <a:rPr lang="en-US" dirty="0" err="1"/>
-              <a:t>destes</a:t>
+              <a:t> de ferramenta de </a:t>
+            </a:r>
+            <a:r>
+              <a:rPr lang="en-US" dirty="0" err="1"/>
+              <a:t>análise</a:t>
+            </a:r>
+            <a:r>
+              <a:rPr lang="en-US" dirty="0"/>
+              <a:t> </a:t>
+            </a:r>
+            <a:r>
+              <a:rPr lang="en-US" dirty="0" err="1"/>
+              <a:t>estática</a:t>
             </a:r>
             <a:endParaRPr lang="en-US" dirty="0"/>
           </a:p>
